--- a/Final Presentation.pptx
+++ b/Final Presentation.pptx
@@ -13646,6 +13646,10 @@
           </p:nvPr>
         </p:nvSpPr>
         <p:spPr>
+          <a:xfrm>
+            <a:off x="4291505" y="3364961"/>
+            <a:ext cx="309879" cy="153888"/>
+          </a:xfrm>
           <a:prstGeom prst="rect">
             <a:avLst/>
           </a:prstGeom>
@@ -13678,9 +13682,17 @@
               <a:t> </a:t>
             </a:r>
             <a:r>
-              <a:rPr spc="-5" dirty="0"/>
-              <a:t>16</a:t>
-            </a:r>
+              <a:rPr lang="en-US" spc="-5" dirty="0"/>
+              <a:t>27</a:t>
+            </a:r>
+          </a:p>
+          <a:p>
+            <a:pPr marL="38100">
+              <a:lnSpc>
+                <a:spcPts val="590"/>
+              </a:lnSpc>
+            </a:pPr>
+            <a:endParaRPr spc="-5" dirty="0"/>
           </a:p>
         </p:txBody>
       </p:sp>
@@ -13929,6 +13941,10 @@
           </p:nvPr>
         </p:nvSpPr>
         <p:spPr>
+          <a:xfrm>
+            <a:off x="4291505" y="3364961"/>
+            <a:ext cx="309879" cy="76944"/>
+          </a:xfrm>
           <a:prstGeom prst="rect">
             <a:avLst/>
           </a:prstGeom>
@@ -13961,9 +13977,10 @@
               <a:t> </a:t>
             </a:r>
             <a:r>
-              <a:rPr spc="-5" dirty="0"/>
-              <a:t>16</a:t>
-            </a:r>
+              <a:rPr lang="en-US" spc="-5" dirty="0"/>
+              <a:t>27</a:t>
+            </a:r>
+            <a:endParaRPr spc="-5" dirty="0"/>
           </a:p>
         </p:txBody>
       </p:sp>
@@ -14445,6 +14462,10 @@
           </p:nvPr>
         </p:nvSpPr>
         <p:spPr>
+          <a:xfrm>
+            <a:off x="4291505" y="3364961"/>
+            <a:ext cx="309879" cy="76944"/>
+          </a:xfrm>
           <a:prstGeom prst="rect">
             <a:avLst/>
           </a:prstGeom>
@@ -14477,9 +14498,10 @@
               <a:t> </a:t>
             </a:r>
             <a:r>
-              <a:rPr spc="-5" dirty="0"/>
-              <a:t>16</a:t>
-            </a:r>
+              <a:rPr lang="en-US" spc="-5" dirty="0"/>
+              <a:t>27</a:t>
+            </a:r>
+            <a:endParaRPr spc="-5" dirty="0"/>
           </a:p>
         </p:txBody>
       </p:sp>
@@ -14943,6 +14965,10 @@
           </p:nvPr>
         </p:nvSpPr>
         <p:spPr>
+          <a:xfrm>
+            <a:off x="4291505" y="3364961"/>
+            <a:ext cx="309879" cy="76944"/>
+          </a:xfrm>
           <a:prstGeom prst="rect">
             <a:avLst/>
           </a:prstGeom>
@@ -14975,9 +15001,10 @@
               <a:t> </a:t>
             </a:r>
             <a:r>
-              <a:rPr spc="-5" dirty="0"/>
-              <a:t>16</a:t>
-            </a:r>
+              <a:rPr lang="en-US" spc="-5" dirty="0"/>
+              <a:t>27</a:t>
+            </a:r>
+            <a:endParaRPr spc="-5" dirty="0"/>
           </a:p>
         </p:txBody>
       </p:sp>
@@ -15396,6 +15423,10 @@
           </p:nvPr>
         </p:nvSpPr>
         <p:spPr>
+          <a:xfrm>
+            <a:off x="4291505" y="3364961"/>
+            <a:ext cx="309879" cy="76944"/>
+          </a:xfrm>
           <a:prstGeom prst="rect">
             <a:avLst/>
           </a:prstGeom>
@@ -15428,9 +15459,10 @@
               <a:t> </a:t>
             </a:r>
             <a:r>
-              <a:rPr spc="-5" dirty="0"/>
-              <a:t>16</a:t>
-            </a:r>
+              <a:rPr lang="en-US" spc="-5" dirty="0"/>
+              <a:t>27</a:t>
+            </a:r>
+            <a:endParaRPr spc="-5" dirty="0"/>
           </a:p>
         </p:txBody>
       </p:sp>
@@ -15849,6 +15881,10 @@
           </p:nvPr>
         </p:nvSpPr>
         <p:spPr>
+          <a:xfrm>
+            <a:off x="4291505" y="3364961"/>
+            <a:ext cx="309879" cy="76944"/>
+          </a:xfrm>
           <a:prstGeom prst="rect">
             <a:avLst/>
           </a:prstGeom>
@@ -15881,9 +15917,10 @@
               <a:t> </a:t>
             </a:r>
             <a:r>
-              <a:rPr spc="-5" dirty="0"/>
-              <a:t>16</a:t>
-            </a:r>
+              <a:rPr lang="en-US" spc="-5" dirty="0"/>
+              <a:t>27</a:t>
+            </a:r>
+            <a:endParaRPr spc="-5" dirty="0"/>
           </a:p>
         </p:txBody>
       </p:sp>
@@ -16365,6 +16402,10 @@
           </p:nvPr>
         </p:nvSpPr>
         <p:spPr>
+          <a:xfrm>
+            <a:off x="4291505" y="3364961"/>
+            <a:ext cx="309879" cy="76944"/>
+          </a:xfrm>
           <a:prstGeom prst="rect">
             <a:avLst/>
           </a:prstGeom>
@@ -16397,9 +16438,10 @@
               <a:t> </a:t>
             </a:r>
             <a:r>
-              <a:rPr spc="-5" dirty="0"/>
-              <a:t>16</a:t>
-            </a:r>
+              <a:rPr lang="en-US" spc="-5" dirty="0"/>
+              <a:t>27</a:t>
+            </a:r>
+            <a:endParaRPr spc="-5" dirty="0"/>
           </a:p>
         </p:txBody>
       </p:sp>
@@ -16818,6 +16860,10 @@
           </p:nvPr>
         </p:nvSpPr>
         <p:spPr>
+          <a:xfrm>
+            <a:off x="4291505" y="3364961"/>
+            <a:ext cx="309879" cy="76944"/>
+          </a:xfrm>
           <a:prstGeom prst="rect">
             <a:avLst/>
           </a:prstGeom>
@@ -16850,9 +16896,10 @@
               <a:t> </a:t>
             </a:r>
             <a:r>
-              <a:rPr spc="-5" dirty="0"/>
-              <a:t>16</a:t>
-            </a:r>
+              <a:rPr lang="en-US" spc="-5" dirty="0"/>
+              <a:t>27</a:t>
+            </a:r>
+            <a:endParaRPr spc="-5" dirty="0"/>
           </a:p>
         </p:txBody>
       </p:sp>
@@ -17271,6 +17318,10 @@
           </p:nvPr>
         </p:nvSpPr>
         <p:spPr>
+          <a:xfrm>
+            <a:off x="4291505" y="3364961"/>
+            <a:ext cx="309879" cy="76944"/>
+          </a:xfrm>
           <a:prstGeom prst="rect">
             <a:avLst/>
           </a:prstGeom>
@@ -17303,9 +17354,10 @@
               <a:t> </a:t>
             </a:r>
             <a:r>
-              <a:rPr spc="-5" dirty="0"/>
-              <a:t>16</a:t>
-            </a:r>
+              <a:rPr lang="en-US" spc="-5" dirty="0"/>
+              <a:t>27</a:t>
+            </a:r>
+            <a:endParaRPr spc="-5" dirty="0"/>
           </a:p>
         </p:txBody>
       </p:sp>
@@ -17724,6 +17776,10 @@
           </p:nvPr>
         </p:nvSpPr>
         <p:spPr>
+          <a:xfrm>
+            <a:off x="4291505" y="3364961"/>
+            <a:ext cx="309879" cy="76944"/>
+          </a:xfrm>
           <a:prstGeom prst="rect">
             <a:avLst/>
           </a:prstGeom>
@@ -17756,9 +17812,10 @@
               <a:t> </a:t>
             </a:r>
             <a:r>
-              <a:rPr spc="-5" dirty="0"/>
-              <a:t>16</a:t>
-            </a:r>
+              <a:rPr lang="en-US" spc="-5" dirty="0"/>
+              <a:t>27</a:t>
+            </a:r>
+            <a:endParaRPr spc="-5" dirty="0"/>
           </a:p>
         </p:txBody>
       </p:sp>
@@ -17777,7 +17834,7 @@
         <p:spPr>
           <a:xfrm>
             <a:off x="95300" y="431173"/>
-            <a:ext cx="4506084" cy="3493264"/>
+            <a:ext cx="4286874" cy="3509002"/>
           </a:xfrm>
           <a:prstGeom prst="rect">
             <a:avLst/>
@@ -18282,6 +18339,10 @@
           </p:nvPr>
         </p:nvSpPr>
         <p:spPr>
+          <a:xfrm>
+            <a:off x="4291505" y="3364961"/>
+            <a:ext cx="309879" cy="76944"/>
+          </a:xfrm>
           <a:prstGeom prst="rect">
             <a:avLst/>
           </a:prstGeom>
@@ -18314,9 +18375,10 @@
               <a:t> </a:t>
             </a:r>
             <a:r>
-              <a:rPr spc="-5" dirty="0"/>
-              <a:t>16</a:t>
-            </a:r>
+              <a:rPr lang="en-US" spc="-5" dirty="0"/>
+              <a:t>27</a:t>
+            </a:r>
+            <a:endParaRPr spc="-5" dirty="0"/>
           </a:p>
         </p:txBody>
       </p:sp>
@@ -19074,6 +19136,10 @@
           </p:nvPr>
         </p:nvSpPr>
         <p:spPr>
+          <a:xfrm>
+            <a:off x="4291505" y="3364961"/>
+            <a:ext cx="309879" cy="76944"/>
+          </a:xfrm>
           <a:prstGeom prst="rect">
             <a:avLst/>
           </a:prstGeom>
@@ -19106,9 +19172,10 @@
               <a:t> </a:t>
             </a:r>
             <a:r>
-              <a:rPr spc="-5" dirty="0"/>
-              <a:t>16</a:t>
-            </a:r>
+              <a:rPr lang="en-US" spc="-5" dirty="0"/>
+              <a:t>27</a:t>
+            </a:r>
+            <a:endParaRPr spc="-5" dirty="0"/>
           </a:p>
         </p:txBody>
       </p:sp>
@@ -19494,6 +19561,10 @@
           </p:nvPr>
         </p:nvSpPr>
         <p:spPr>
+          <a:xfrm>
+            <a:off x="4291505" y="3364961"/>
+            <a:ext cx="309879" cy="76944"/>
+          </a:xfrm>
           <a:prstGeom prst="rect">
             <a:avLst/>
           </a:prstGeom>
@@ -19526,9 +19597,10 @@
               <a:t> </a:t>
             </a:r>
             <a:r>
-              <a:rPr spc="-5" dirty="0"/>
-              <a:t>16</a:t>
-            </a:r>
+              <a:rPr lang="en-US" spc="-5" dirty="0"/>
+              <a:t>27</a:t>
+            </a:r>
+            <a:endParaRPr spc="-5" dirty="0"/>
           </a:p>
         </p:txBody>
       </p:sp>
@@ -20011,6 +20083,10 @@
           </p:nvPr>
         </p:nvSpPr>
         <p:spPr>
+          <a:xfrm>
+            <a:off x="4291505" y="3364961"/>
+            <a:ext cx="309879" cy="76944"/>
+          </a:xfrm>
           <a:prstGeom prst="rect">
             <a:avLst/>
           </a:prstGeom>
@@ -20043,9 +20119,10 @@
               <a:t> </a:t>
             </a:r>
             <a:r>
-              <a:rPr spc="-5" dirty="0"/>
-              <a:t>16</a:t>
-            </a:r>
+              <a:rPr lang="en-US" spc="-5" dirty="0"/>
+              <a:t>27</a:t>
+            </a:r>
+            <a:endParaRPr spc="-5" dirty="0"/>
           </a:p>
         </p:txBody>
       </p:sp>
@@ -20507,6 +20584,10 @@
           </p:nvPr>
         </p:nvSpPr>
         <p:spPr>
+          <a:xfrm>
+            <a:off x="4291505" y="3364961"/>
+            <a:ext cx="309879" cy="76944"/>
+          </a:xfrm>
           <a:prstGeom prst="rect">
             <a:avLst/>
           </a:prstGeom>
@@ -20539,9 +20620,10 @@
               <a:t> </a:t>
             </a:r>
             <a:r>
-              <a:rPr spc="-5" dirty="0"/>
-              <a:t>16</a:t>
-            </a:r>
+              <a:rPr lang="en-US" spc="-5" dirty="0"/>
+              <a:t>27</a:t>
+            </a:r>
+            <a:endParaRPr spc="-5" dirty="0"/>
           </a:p>
         </p:txBody>
       </p:sp>
@@ -21002,6 +21084,10 @@
           </p:nvPr>
         </p:nvSpPr>
         <p:spPr>
+          <a:xfrm>
+            <a:off x="4291505" y="3364961"/>
+            <a:ext cx="309879" cy="76944"/>
+          </a:xfrm>
           <a:prstGeom prst="rect">
             <a:avLst/>
           </a:prstGeom>
@@ -21034,9 +21120,10 @@
               <a:t> </a:t>
             </a:r>
             <a:r>
-              <a:rPr spc="-5" dirty="0"/>
-              <a:t>16</a:t>
-            </a:r>
+              <a:rPr lang="en-US" spc="-5" dirty="0"/>
+              <a:t>27</a:t>
+            </a:r>
+            <a:endParaRPr spc="-5" dirty="0"/>
           </a:p>
         </p:txBody>
       </p:sp>
@@ -21511,6 +21598,10 @@
           </p:nvPr>
         </p:nvSpPr>
         <p:spPr>
+          <a:xfrm>
+            <a:off x="4291505" y="3364961"/>
+            <a:ext cx="309879" cy="76944"/>
+          </a:xfrm>
           <a:prstGeom prst="rect">
             <a:avLst/>
           </a:prstGeom>
@@ -21543,9 +21634,10 @@
               <a:t> </a:t>
             </a:r>
             <a:r>
-              <a:rPr spc="-5" dirty="0"/>
-              <a:t>16</a:t>
-            </a:r>
+              <a:rPr lang="en-US" spc="-5" dirty="0"/>
+              <a:t>27</a:t>
+            </a:r>
+            <a:endParaRPr spc="-5" dirty="0"/>
           </a:p>
         </p:txBody>
       </p:sp>
@@ -22007,6 +22099,10 @@
           </p:nvPr>
         </p:nvSpPr>
         <p:spPr>
+          <a:xfrm>
+            <a:off x="4291505" y="3364961"/>
+            <a:ext cx="309879" cy="76944"/>
+          </a:xfrm>
           <a:prstGeom prst="rect">
             <a:avLst/>
           </a:prstGeom>
@@ -22039,9 +22135,10 @@
               <a:t> </a:t>
             </a:r>
             <a:r>
-              <a:rPr spc="-5" dirty="0"/>
-              <a:t>16</a:t>
-            </a:r>
+              <a:rPr lang="en-US" spc="-5" dirty="0"/>
+              <a:t>27</a:t>
+            </a:r>
+            <a:endParaRPr spc="-5" dirty="0"/>
           </a:p>
         </p:txBody>
       </p:sp>
@@ -22485,6 +22582,10 @@
           </p:nvPr>
         </p:nvSpPr>
         <p:spPr>
+          <a:xfrm>
+            <a:off x="4291505" y="3364961"/>
+            <a:ext cx="309879" cy="76944"/>
+          </a:xfrm>
           <a:prstGeom prst="rect">
             <a:avLst/>
           </a:prstGeom>
@@ -22517,9 +22618,10 @@
               <a:t> </a:t>
             </a:r>
             <a:r>
-              <a:rPr spc="-5" dirty="0"/>
-              <a:t>16</a:t>
-            </a:r>
+              <a:rPr lang="en-US" spc="-5" dirty="0"/>
+              <a:t>27</a:t>
+            </a:r>
+            <a:endParaRPr spc="-5" dirty="0"/>
           </a:p>
         </p:txBody>
       </p:sp>
@@ -23092,6 +23194,10 @@
           </p:nvPr>
         </p:nvSpPr>
         <p:spPr>
+          <a:xfrm>
+            <a:off x="4291505" y="3364961"/>
+            <a:ext cx="309879" cy="76944"/>
+          </a:xfrm>
           <a:prstGeom prst="rect">
             <a:avLst/>
           </a:prstGeom>
@@ -23124,9 +23230,10 @@
               <a:t> </a:t>
             </a:r>
             <a:r>
-              <a:rPr spc="-5" dirty="0"/>
-              <a:t>16</a:t>
-            </a:r>
+              <a:rPr lang="en-US" spc="-5" dirty="0"/>
+              <a:t>27</a:t>
+            </a:r>
+            <a:endParaRPr spc="-5" dirty="0"/>
           </a:p>
         </p:txBody>
       </p:sp>
@@ -23553,6 +23660,10 @@
           </p:nvPr>
         </p:nvSpPr>
         <p:spPr>
+          <a:xfrm>
+            <a:off x="4291505" y="3364961"/>
+            <a:ext cx="309879" cy="76944"/>
+          </a:xfrm>
           <a:prstGeom prst="rect">
             <a:avLst/>
           </a:prstGeom>
@@ -23585,9 +23696,10 @@
               <a:t> </a:t>
             </a:r>
             <a:r>
-              <a:rPr spc="-5" dirty="0"/>
-              <a:t>16</a:t>
-            </a:r>
+              <a:rPr lang="en-US" spc="-5" dirty="0"/>
+              <a:t>27</a:t>
+            </a:r>
+            <a:endParaRPr spc="-5" dirty="0"/>
           </a:p>
         </p:txBody>
       </p:sp>
@@ -24049,6 +24161,10 @@
           </p:nvPr>
         </p:nvSpPr>
         <p:spPr>
+          <a:xfrm>
+            <a:off x="4291505" y="3364961"/>
+            <a:ext cx="309879" cy="76944"/>
+          </a:xfrm>
           <a:prstGeom prst="rect">
             <a:avLst/>
           </a:prstGeom>
@@ -24081,9 +24197,10 @@
               <a:t> </a:t>
             </a:r>
             <a:r>
-              <a:rPr spc="-5" dirty="0"/>
-              <a:t>16</a:t>
-            </a:r>
+              <a:rPr lang="en-US" spc="-5" dirty="0"/>
+              <a:t>27</a:t>
+            </a:r>
+            <a:endParaRPr spc="-5" dirty="0"/>
           </a:p>
         </p:txBody>
       </p:sp>
@@ -24562,6 +24679,10 @@
           </p:nvPr>
         </p:nvSpPr>
         <p:spPr>
+          <a:xfrm>
+            <a:off x="4291505" y="3364961"/>
+            <a:ext cx="309879" cy="76944"/>
+          </a:xfrm>
           <a:prstGeom prst="rect">
             <a:avLst/>
           </a:prstGeom>
@@ -24594,9 +24715,10 @@
               <a:t> </a:t>
             </a:r>
             <a:r>
-              <a:rPr spc="-5" dirty="0"/>
-              <a:t>16</a:t>
-            </a:r>
+              <a:rPr lang="en-US" spc="-5" dirty="0"/>
+              <a:t>27</a:t>
+            </a:r>
+            <a:endParaRPr spc="-5" dirty="0"/>
           </a:p>
         </p:txBody>
       </p:sp>
@@ -25030,6 +25152,10 @@
           </p:nvPr>
         </p:nvSpPr>
         <p:spPr>
+          <a:xfrm>
+            <a:off x="4291505" y="3364961"/>
+            <a:ext cx="309879" cy="76944"/>
+          </a:xfrm>
           <a:prstGeom prst="rect">
             <a:avLst/>
           </a:prstGeom>
@@ -25062,9 +25188,10 @@
               <a:t> </a:t>
             </a:r>
             <a:r>
-              <a:rPr spc="-5" dirty="0"/>
-              <a:t>16</a:t>
-            </a:r>
+              <a:rPr lang="en-US" spc="-5" dirty="0"/>
+              <a:t>27</a:t>
+            </a:r>
+            <a:endParaRPr spc="-5" dirty="0"/>
           </a:p>
         </p:txBody>
       </p:sp>
@@ -25537,6 +25664,10 @@
           </p:nvPr>
         </p:nvSpPr>
         <p:spPr>
+          <a:xfrm>
+            <a:off x="4291505" y="3364961"/>
+            <a:ext cx="309879" cy="76944"/>
+          </a:xfrm>
           <a:prstGeom prst="rect">
             <a:avLst/>
           </a:prstGeom>
@@ -25569,9 +25700,10 @@
               <a:t> </a:t>
             </a:r>
             <a:r>
-              <a:rPr spc="-5" dirty="0"/>
-              <a:t>16</a:t>
-            </a:r>
+              <a:rPr lang="en-US" spc="-5" dirty="0"/>
+              <a:t>27</a:t>
+            </a:r>
+            <a:endParaRPr spc="-5" dirty="0"/>
           </a:p>
         </p:txBody>
       </p:sp>
@@ -26141,6 +26273,10 @@
           </p:nvPr>
         </p:nvSpPr>
         <p:spPr>
+          <a:xfrm>
+            <a:off x="4291505" y="3364961"/>
+            <a:ext cx="309879" cy="76944"/>
+          </a:xfrm>
           <a:prstGeom prst="rect">
             <a:avLst/>
           </a:prstGeom>
@@ -26173,9 +26309,10 @@
               <a:t> </a:t>
             </a:r>
             <a:r>
-              <a:rPr spc="-5" dirty="0"/>
-              <a:t>16</a:t>
-            </a:r>
+              <a:rPr lang="en-US" spc="-5" dirty="0"/>
+              <a:t>27</a:t>
+            </a:r>
+            <a:endParaRPr spc="-5" dirty="0"/>
           </a:p>
         </p:txBody>
       </p:sp>
@@ -26487,7 +26624,7 @@
         </p:nvGrpSpPr>
         <p:grpSpPr>
           <a:xfrm>
-            <a:off x="0" y="3361766"/>
+            <a:off x="96629" y="3366135"/>
             <a:ext cx="4608195" cy="94615"/>
             <a:chOff x="0" y="3361766"/>
             <a:chExt cx="4608195" cy="94615"/>
@@ -26655,6 +26792,10 @@
           </p:nvPr>
         </p:nvSpPr>
         <p:spPr>
+          <a:xfrm>
+            <a:off x="4291505" y="3364961"/>
+            <a:ext cx="309879" cy="76944"/>
+          </a:xfrm>
           <a:prstGeom prst="rect">
             <a:avLst/>
           </a:prstGeom>
@@ -26687,9 +26828,10 @@
               <a:t> </a:t>
             </a:r>
             <a:r>
-              <a:rPr spc="-5" dirty="0"/>
-              <a:t>16</a:t>
-            </a:r>
+              <a:rPr lang="en-US" spc="-5" dirty="0"/>
+              <a:t>27</a:t>
+            </a:r>
+            <a:endParaRPr spc="-5" dirty="0"/>
           </a:p>
         </p:txBody>
       </p:sp>
@@ -26708,7 +26850,7 @@
         <p:spPr>
           <a:xfrm>
             <a:off x="95300" y="431173"/>
-            <a:ext cx="4506084" cy="3493264"/>
+            <a:ext cx="4343350" cy="3493264"/>
           </a:xfrm>
           <a:prstGeom prst="rect">
             <a:avLst/>
